--- a/doc/しりょ.pptx
+++ b/doc/しりょ.pptx
@@ -389,7 +389,7 @@
           <a:p>
             <a:fld id="{08084BE2-7C00-BE41-9E00-150C10E5C71B}" type="datetimeFigureOut">
               <a:rPr kumimoji="1" lang="ja-JP" altLang="en-US" smtClean="0"/>
-              <a:t>2020/1/29</a:t>
+              <a:t>2020/2/2</a:t>
             </a:fld>
             <a:endParaRPr kumimoji="1" lang="ja-JP" altLang="en-US"/>
           </a:p>
@@ -6221,8 +6221,8 @@
         </p:nvSpPr>
         <p:spPr>
           <a:xfrm>
-            <a:off x="350370" y="801125"/>
-            <a:ext cx="3386433" cy="276999"/>
+            <a:off x="350370" y="787556"/>
+            <a:ext cx="3906320" cy="338554"/>
           </a:xfrm>
           <a:prstGeom prst="rect">
             <a:avLst/>
@@ -6236,7 +6236,7 @@
           <a:lstStyle/>
           <a:p>
             <a:r>
-              <a:rPr kumimoji="1" lang="ja-JP" altLang="en-US" sz="1200" dirty="0"/>
+              <a:rPr kumimoji="1" lang="ja-JP" altLang="en-US" sz="1600" dirty="0"/>
               <a:t>画面上にボタンとかいろいろ置けます</a:t>
             </a:r>
           </a:p>
@@ -6276,7 +6276,7 @@
             </a:pPr>
             <a:r>
               <a:rPr lang="ja-JP" altLang="en-US" sz="1200" dirty="0"/>
-              <a:t>任意のディレクトリにフォルダを作りましょう</a:t>
+              <a:t>任意の場所に研修用のフォルダを作りましょう</a:t>
             </a:r>
             <a:endParaRPr lang="en-US" altLang="ja-JP" sz="1200" dirty="0"/>
           </a:p>
@@ -6868,7 +6868,7 @@
         </p:nvSpPr>
         <p:spPr>
           <a:xfrm>
-            <a:off x="2790872" y="876562"/>
+            <a:off x="2737268" y="876562"/>
             <a:ext cx="3386433" cy="400110"/>
           </a:xfrm>
           <a:prstGeom prst="rect">
@@ -6888,7 +6888,7 @@
             </a:r>
             <a:r>
               <a:rPr lang="ja-JP" altLang="en-US" sz="2000" dirty="0"/>
-              <a:t>ファイルの構成</a:t>
+              <a:t>使うとこんな感じ</a:t>
             </a:r>
             <a:endParaRPr kumimoji="1" lang="ja-JP" altLang="en-US" sz="2000" dirty="0"/>
           </a:p>
@@ -7629,7 +7629,7 @@
         <p:spPr>
           <a:xfrm>
             <a:off x="4162096" y="1131431"/>
-            <a:ext cx="3386433" cy="646331"/>
+            <a:ext cx="3873063" cy="646331"/>
           </a:xfrm>
           <a:prstGeom prst="rect">
             <a:avLst/>
@@ -7656,7 +7656,7 @@
             </a:r>
             <a:r>
               <a:rPr kumimoji="1" lang="ja-JP" altLang="en-US" dirty="0"/>
-              <a:t>ファイル内で実行する</a:t>
+              <a:t>ファイル内で使ってきます</a:t>
             </a:r>
           </a:p>
         </p:txBody>
@@ -9169,8 +9169,8 @@
         </p:nvSpPr>
         <p:spPr>
           <a:xfrm>
-            <a:off x="3152823" y="661588"/>
-            <a:ext cx="2295478" cy="400110"/>
+            <a:off x="1556621" y="709963"/>
+            <a:ext cx="5627169" cy="400110"/>
           </a:xfrm>
           <a:prstGeom prst="rect">
             <a:avLst/>
@@ -9185,11 +9185,19 @@
           <a:p>
             <a:r>
               <a:rPr lang="en-US" altLang="ja-JP" sz="2000" dirty="0"/>
-              <a:t>JS</a:t>
+              <a:t>HTML</a:t>
             </a:r>
             <a:r>
               <a:rPr lang="ja-JP" altLang="en-US" sz="2000" dirty="0"/>
-              <a:t>ファイルの構成</a:t>
+              <a:t>ファイルに</a:t>
+            </a:r>
+            <a:r>
+              <a:rPr lang="en-US" altLang="ja-JP" sz="2000" dirty="0" err="1"/>
+              <a:t>Jquery</a:t>
+            </a:r>
+            <a:r>
+              <a:rPr lang="ja-JP" altLang="en-US" sz="2000" dirty="0"/>
+              <a:t>を読み込ませましょう</a:t>
             </a:r>
             <a:endParaRPr kumimoji="1" lang="ja-JP" altLang="en-US" sz="2000" dirty="0"/>
           </a:p>
@@ -9257,8 +9265,8 @@
         </p:blipFill>
         <p:spPr>
           <a:xfrm>
-            <a:off x="188723" y="1246586"/>
-            <a:ext cx="3401883" cy="1918522"/>
+            <a:off x="188723" y="1246585"/>
+            <a:ext cx="4936763" cy="2784131"/>
           </a:xfrm>
           <a:prstGeom prst="rect">
             <a:avLst/>
@@ -9329,7 +9337,7 @@
         </p:nvSpPr>
         <p:spPr>
           <a:xfrm>
-            <a:off x="188723" y="3541280"/>
+            <a:off x="5265634" y="1986975"/>
             <a:ext cx="4724400" cy="584775"/>
           </a:xfrm>
           <a:prstGeom prst="rect">
@@ -9389,7 +9397,7 @@
         </p:nvSpPr>
         <p:spPr>
           <a:xfrm>
-            <a:off x="72706" y="3213705"/>
+            <a:off x="5265634" y="1569046"/>
             <a:ext cx="3956050" cy="369332"/>
           </a:xfrm>
           <a:prstGeom prst="rect">
@@ -10886,7 +10894,7 @@
         <p:spPr>
           <a:xfrm>
             <a:off x="203502" y="3980446"/>
-            <a:ext cx="3720798" cy="830997"/>
+            <a:ext cx="5278136" cy="646331"/>
           </a:xfrm>
           <a:prstGeom prst="rect">
             <a:avLst/>
@@ -10951,7 +10959,7 @@
         </p:nvSpPr>
         <p:spPr>
           <a:xfrm>
-            <a:off x="5428794" y="4131450"/>
+            <a:off x="5655683" y="4131450"/>
             <a:ext cx="3351198" cy="461665"/>
           </a:xfrm>
           <a:prstGeom prst="rect">
@@ -17466,7 +17474,7 @@
             </a:r>
             <a:r>
               <a:rPr kumimoji="1" lang="ja-JP" altLang="en-US" sz="1200" dirty="0"/>
-              <a:t>と</a:t>
+              <a:t>、と</a:t>
             </a:r>
           </a:p>
         </p:txBody>
@@ -17486,7 +17494,7 @@
         <p:spPr>
           <a:xfrm>
             <a:off x="3541817" y="3860486"/>
-            <a:ext cx="3373333" cy="461665"/>
+            <a:ext cx="3724615" cy="461665"/>
           </a:xfrm>
           <a:prstGeom prst="rect">
             <a:avLst/>
@@ -17500,8 +17508,12 @@
           <a:lstStyle/>
           <a:p>
             <a:r>
+              <a:rPr lang="ja-JP" altLang="en-US" sz="1200" dirty="0" err="1"/>
+              <a:t>って</a:t>
+            </a:r>
+            <a:r>
               <a:rPr lang="ja-JP" altLang="en-US" sz="1200" dirty="0"/>
-              <a:t>構造的には</a:t>
+              <a:t>ことは構造的には</a:t>
             </a:r>
             <a:br>
               <a:rPr lang="en-US" altLang="ja-JP" sz="1200" dirty="0"/>
@@ -17524,7 +17536,7 @@
             </a:r>
             <a:r>
               <a:rPr lang="ja-JP" altLang="en-US" sz="1200" dirty="0"/>
-              <a:t>ぽい</a:t>
+              <a:t>でアクセスできるぽい</a:t>
             </a:r>
             <a:endParaRPr kumimoji="1" lang="ja-JP" altLang="en-US" sz="1200" dirty="0"/>
           </a:p>
@@ -17867,19 +17879,11 @@
           <a:p>
             <a:r>
               <a:rPr kumimoji="1" lang="ja-JP" altLang="en-US" sz="1200" dirty="0"/>
-              <a:t>クリックしてみると</a:t>
-            </a:r>
-            <a:r>
-              <a:rPr kumimoji="1" lang="ja-JP" altLang="en-US" sz="1200" dirty="0" err="1"/>
-              <a:t>、、、</a:t>
+              <a:t>クリック！</a:t>
             </a:r>
             <a:br>
               <a:rPr kumimoji="1" lang="en-US" altLang="ja-JP" sz="1200" dirty="0"/>
             </a:br>
-            <a:r>
-              <a:rPr kumimoji="1" lang="en-US" altLang="ja-JP" sz="1200" dirty="0"/>
-              <a:t>	</a:t>
-            </a:r>
             <a:r>
               <a:rPr kumimoji="1" lang="ja-JP" altLang="en-US" sz="1200" dirty="0"/>
               <a:t>取れました</a:t>
@@ -18105,7 +18109,7 @@
         <p:spPr>
           <a:xfrm>
             <a:off x="3717488" y="2116390"/>
-            <a:ext cx="4023162" cy="276999"/>
+            <a:ext cx="4457248" cy="461665"/>
           </a:xfrm>
           <a:prstGeom prst="rect">
             <a:avLst/>
@@ -18120,7 +18124,22 @@
           <a:p>
             <a:r>
               <a:rPr kumimoji="1" lang="ja-JP" altLang="en-US" sz="1200" dirty="0"/>
-              <a:t>差し替えが終わったら、</a:t>
+              <a:t>メソッドチェーンで</a:t>
+            </a:r>
+            <a:r>
+              <a:rPr kumimoji="1" lang="en-US" altLang="ja-JP" sz="1200" dirty="0"/>
+              <a:t>play</a:t>
+            </a:r>
+            <a:r>
+              <a:rPr kumimoji="1" lang="ja-JP" altLang="en-US" sz="1200" dirty="0"/>
+              <a:t>を呼べるので</a:t>
+            </a:r>
+            <a:br>
+              <a:rPr kumimoji="1" lang="en-US" altLang="ja-JP" sz="1200" dirty="0"/>
+            </a:br>
+            <a:r>
+              <a:rPr kumimoji="1" lang="ja-JP" altLang="en-US" sz="1200" dirty="0"/>
+              <a:t>パスの差し替えが終わったら、</a:t>
             </a:r>
             <a:r>
               <a:rPr kumimoji="1" lang="en-US" altLang="ja-JP" sz="1200" dirty="0"/>
@@ -19238,8 +19257,8 @@
         </p:nvSpPr>
         <p:spPr>
           <a:xfrm>
-            <a:off x="3397250" y="2407009"/>
-            <a:ext cx="5100170" cy="329482"/>
+            <a:off x="2946400" y="2407009"/>
+            <a:ext cx="5551020" cy="329482"/>
           </a:xfrm>
           <a:prstGeom prst="rect">
             <a:avLst/>
@@ -19409,7 +19428,7 @@
           <a:p>
             <a:r>
               <a:rPr lang="ja-JP" altLang="en-US" sz="1600" dirty="0"/>
-              <a:t>オブジェクトをツリー構造で表現したものです</a:t>
+              <a:t>オブジェクトの中身をキーと値のペアで表現したものです</a:t>
             </a:r>
             <a:endParaRPr lang="en-US" altLang="ja-JP" sz="1600" dirty="0"/>
           </a:p>
@@ -20032,8 +20051,8 @@
         </p:nvSpPr>
         <p:spPr>
           <a:xfrm>
-            <a:off x="2675590" y="1388691"/>
-            <a:ext cx="3663950" cy="1891582"/>
+            <a:off x="2092776" y="1546470"/>
+            <a:ext cx="4958447" cy="1468809"/>
           </a:xfrm>
           <a:prstGeom prst="rect">
             <a:avLst/>
@@ -20203,50 +20222,14 @@
           <a:p>
             <a:r>
               <a:rPr lang="ja-JP" altLang="en-US" sz="1400" dirty="0"/>
-              <a:t>ここではコンテンツの要素</a:t>
-            </a:r>
-            <a:r>
-              <a:rPr lang="en-US" altLang="ja-JP" sz="1400" dirty="0"/>
-              <a:t>(</a:t>
-            </a:r>
-            <a:r>
-              <a:rPr lang="ja-JP" altLang="en-US" sz="1400" dirty="0"/>
-              <a:t>さっき書いた</a:t>
-            </a:r>
-            <a:r>
-              <a:rPr lang="en-US" altLang="ja-JP" sz="1400" dirty="0"/>
-              <a:t>div</a:t>
-            </a:r>
-            <a:r>
-              <a:rPr lang="ja-JP" altLang="en-US" sz="1400" dirty="0"/>
-              <a:t>とか</a:t>
-            </a:r>
-            <a:r>
-              <a:rPr lang="en-US" altLang="ja-JP" sz="1400" dirty="0" err="1"/>
-              <a:t>img</a:t>
-            </a:r>
-            <a:r>
-              <a:rPr lang="ja-JP" altLang="en-US" sz="1400" dirty="0"/>
-              <a:t>とか</a:t>
-            </a:r>
-            <a:r>
-              <a:rPr lang="en-US" altLang="ja-JP" sz="1400" dirty="0"/>
-              <a:t>)</a:t>
+              <a:t>ここではコンテンツを別ファイルに定義します</a:t>
             </a:r>
             <a:br>
               <a:rPr lang="en-US" altLang="ja-JP" sz="1400" dirty="0"/>
             </a:br>
             <a:r>
               <a:rPr lang="ja-JP" altLang="en-US" sz="1400" dirty="0"/>
-              <a:t>を</a:t>
-            </a:r>
-            <a:r>
-              <a:rPr lang="en-US" altLang="ja-JP" sz="1400" dirty="0"/>
-              <a:t>index.html</a:t>
-            </a:r>
-            <a:r>
-              <a:rPr lang="ja-JP" altLang="en-US" sz="1400" dirty="0"/>
-              <a:t>とは別のファイルに定義します</a:t>
+              <a:t>そいつをテンプレートとして使いまわせる良い感じのライブラリがあるので使ってみましょう</a:t>
             </a:r>
             <a:br>
               <a:rPr lang="en-US" altLang="ja-JP" sz="1400" dirty="0"/>
@@ -20260,11 +20243,8 @@
             </a:r>
             <a:r>
               <a:rPr lang="ja-JP" altLang="en-US" sz="1400" dirty="0"/>
-              <a:t>データを元に動的に生成しましょう</a:t>
-            </a:r>
-            <a:br>
-              <a:rPr lang="en-US" altLang="ja-JP" sz="1400" dirty="0"/>
-            </a:br>
+              <a:t>データを元にデータ件数分作りたいですね</a:t>
+            </a:r>
             <a:br>
               <a:rPr lang="en-US" altLang="ja-JP" sz="1400" dirty="0"/>
             </a:br>
@@ -21041,7 +21021,7 @@
         <p:spPr>
           <a:xfrm>
             <a:off x="536106" y="3391370"/>
-            <a:ext cx="5794844" cy="1009180"/>
+            <a:ext cx="5794844" cy="777572"/>
           </a:xfrm>
           <a:prstGeom prst="rect">
             <a:avLst/>
@@ -21211,15 +21191,7 @@
           <a:p>
             <a:r>
               <a:rPr lang="ja-JP" altLang="en-US" sz="1200" dirty="0"/>
-              <a:t>こいつはテンプレートに</a:t>
-            </a:r>
-            <a:r>
-              <a:rPr lang="en-US" altLang="ja-JP" sz="1200" dirty="0"/>
-              <a:t>Json</a:t>
-            </a:r>
-            <a:r>
-              <a:rPr lang="ja-JP" altLang="en-US" sz="1200" dirty="0"/>
-              <a:t>データ流し込むときに使う</a:t>
+              <a:t>こいつはテンプレートにデータを流し込むときに使う</a:t>
             </a:r>
             <a:br>
               <a:rPr lang="en-US" altLang="ja-JP" sz="1200" dirty="0"/>
@@ -21230,7 +21202,7 @@
             </a:r>
             <a:r>
               <a:rPr lang="ja-JP" altLang="en-US" sz="1200" dirty="0"/>
-              <a:t>← ここにアーティスト名差し込んであげるみたいな</a:t>
+              <a:t>← ここにはアーティスト名差し込んであげるみたいな</a:t>
             </a:r>
             <a:br>
               <a:rPr lang="en-US" altLang="ja-JP" sz="1200" dirty="0"/>
@@ -27191,15 +27163,7 @@
             </a:pPr>
             <a:r>
               <a:rPr lang="ja-JP" altLang="en-US" dirty="0"/>
-              <a:t>コンテンツ一覧を</a:t>
-            </a:r>
-            <a:r>
-              <a:rPr lang="en-US" altLang="ja-JP" dirty="0"/>
-              <a:t>Json</a:t>
-            </a:r>
-            <a:r>
-              <a:rPr lang="ja-JP" altLang="en-US" dirty="0"/>
-              <a:t>形式で返す</a:t>
+              <a:t>コンテンツ一覧を返す</a:t>
             </a:r>
             <a:endParaRPr lang="en-US" altLang="ja-JP" dirty="0"/>
           </a:p>
@@ -27210,15 +27174,7 @@
             </a:pPr>
             <a:r>
               <a:rPr kumimoji="1" lang="ja-JP" altLang="en-US" dirty="0"/>
-              <a:t>音楽データを</a:t>
-            </a:r>
-            <a:r>
-              <a:rPr kumimoji="1" lang="en-US" altLang="ja-JP" dirty="0"/>
-              <a:t>base64</a:t>
-            </a:r>
-            <a:r>
-              <a:rPr kumimoji="1" lang="ja-JP" altLang="en-US" dirty="0"/>
-              <a:t>エンコードで返す</a:t>
+              <a:t>音楽データを返す</a:t>
             </a:r>
             <a:endParaRPr kumimoji="1" lang="en-US" altLang="ja-JP" dirty="0"/>
           </a:p>
@@ -40474,6 +40430,23 @@
 </file>
 
 <file path=customXml/item1.xml><?xml version="1.0" encoding="utf-8"?>
+<p:properties xmlns:p="http://schemas.microsoft.com/office/2006/metadata/properties" xmlns:xsi="http://www.w3.org/2001/XMLSchema-instance" xmlns:pc="http://schemas.microsoft.com/office/infopath/2007/PartnerControls">
+  <documentManagement>
+    <_x30b3__x30e1__x30f3__x30c8_ xmlns="ba9fa7ec-c7fc-46bc-8a77-6c86f57f556a" xsi:nil="true"/>
+  </documentManagement>
+</p:properties>
+</file>
+
+<file path=customXml/item2.xml><?xml version="1.0" encoding="utf-8"?>
+<?mso-contentType ?>
+<FormTemplates xmlns="http://schemas.microsoft.com/sharepoint/v3/contenttype/forms">
+  <Display>DocumentLibraryForm</Display>
+  <Edit>DocumentLibraryForm</Edit>
+  <New>DocumentLibraryForm</New>
+</FormTemplates>
+</file>
+
+<file path=customXml/item3.xml><?xml version="1.0" encoding="utf-8"?>
 <ct:contentTypeSchema xmlns:ct="http://schemas.microsoft.com/office/2006/metadata/contentType" xmlns:ma="http://schemas.microsoft.com/office/2006/metadata/properties/metaAttributes" ct:_="" ma:_="" ma:contentTypeName="ドキュメント" ma:contentTypeID="0x0101002F430D55A27CC543A1A8CC423BF55CBC" ma:contentTypeVersion="8" ma:contentTypeDescription="新しいドキュメントを作成します。" ma:contentTypeScope="" ma:versionID="11c5cc0dd4dc7f9ffb04923b147925cd">
   <xsd:schema xmlns:xsd="http://www.w3.org/2001/XMLSchema" xmlns:xs="http://www.w3.org/2001/XMLSchema" xmlns:p="http://schemas.microsoft.com/office/2006/metadata/properties" xmlns:ns2="ba9fa7ec-c7fc-46bc-8a77-6c86f57f556a" targetNamespace="http://schemas.microsoft.com/office/2006/metadata/properties" ma:root="true" ma:fieldsID="71247cd47f6aaea41bdd0b34ce4f41bc" ns2:_="">
     <xsd:import namespace="ba9fa7ec-c7fc-46bc-8a77-6c86f57f556a"/>
@@ -40645,24 +40618,31 @@
 </ct:contentTypeSchema>
 </file>
 
-<file path=customXml/item2.xml><?xml version="1.0" encoding="utf-8"?>
-<p:properties xmlns:p="http://schemas.microsoft.com/office/2006/metadata/properties" xmlns:xsi="http://www.w3.org/2001/XMLSchema-instance" xmlns:pc="http://schemas.microsoft.com/office/infopath/2007/PartnerControls">
-  <documentManagement>
-    <_x30b3__x30e1__x30f3__x30c8_ xmlns="ba9fa7ec-c7fc-46bc-8a77-6c86f57f556a" xsi:nil="true"/>
-  </documentManagement>
-</p:properties>
+<file path=customXml/itemProps1.xml><?xml version="1.0" encoding="utf-8"?>
+<ds:datastoreItem xmlns:ds="http://schemas.openxmlformats.org/officeDocument/2006/customXml" ds:itemID="{AFF98346-FA34-4655-AE90-17E098B98295}">
+  <ds:schemaRefs>
+    <ds:schemaRef ds:uri="http://schemas.microsoft.com/office/2006/documentManagement/types"/>
+    <ds:schemaRef ds:uri="http://schemas.microsoft.com/office/2006/metadata/properties"/>
+    <ds:schemaRef ds:uri="http://purl.org/dc/terms/"/>
+    <ds:schemaRef ds:uri="http://schemas.openxmlformats.org/package/2006/metadata/core-properties"/>
+    <ds:schemaRef ds:uri="http://purl.org/dc/dcmitype/"/>
+    <ds:schemaRef ds:uri="http://schemas.microsoft.com/office/infopath/2007/PartnerControls"/>
+    <ds:schemaRef ds:uri="ba9fa7ec-c7fc-46bc-8a77-6c86f57f556a"/>
+    <ds:schemaRef ds:uri="http://www.w3.org/XML/1998/namespace"/>
+    <ds:schemaRef ds:uri="http://purl.org/dc/elements/1.1/"/>
+  </ds:schemaRefs>
+</ds:datastoreItem>
 </file>
 
-<file path=customXml/item3.xml><?xml version="1.0" encoding="utf-8"?>
-<?mso-contentType ?>
-<FormTemplates xmlns="http://schemas.microsoft.com/sharepoint/v3/contenttype/forms">
-  <Display>DocumentLibraryForm</Display>
-  <Edit>DocumentLibraryForm</Edit>
-  <New>DocumentLibraryForm</New>
-</FormTemplates>
+<file path=customXml/itemProps2.xml><?xml version="1.0" encoding="utf-8"?>
+<ds:datastoreItem xmlns:ds="http://schemas.openxmlformats.org/officeDocument/2006/customXml" ds:itemID="{527E6891-0A95-43E6-A4D1-1E33DCED4DD5}">
+  <ds:schemaRefs>
+    <ds:schemaRef ds:uri="http://schemas.microsoft.com/sharepoint/v3/contenttype/forms"/>
+  </ds:schemaRefs>
+</ds:datastoreItem>
 </file>
 
-<file path=customXml/itemProps1.xml><?xml version="1.0" encoding="utf-8"?>
+<file path=customXml/itemProps3.xml><?xml version="1.0" encoding="utf-8"?>
 <ds:datastoreItem xmlns:ds="http://schemas.openxmlformats.org/officeDocument/2006/customXml" ds:itemID="{BA0AC479-662B-4BD3-9972-12F9A9BC76D4}">
   <ds:schemaRefs>
     <ds:schemaRef ds:uri="http://schemas.microsoft.com/office/2006/metadata/contentType"/>
@@ -40678,28 +40658,4 @@
     <ds:schemaRef ds:uri="http://schemas.microsoft.com/internal/obd"/>
   </ds:schemaRefs>
 </ds:datastoreItem>
-</file>
-
-<file path=customXml/itemProps2.xml><?xml version="1.0" encoding="utf-8"?>
-<ds:datastoreItem xmlns:ds="http://schemas.openxmlformats.org/officeDocument/2006/customXml" ds:itemID="{AFF98346-FA34-4655-AE90-17E098B98295}">
-  <ds:schemaRefs>
-    <ds:schemaRef ds:uri="http://schemas.microsoft.com/office/2006/documentManagement/types"/>
-    <ds:schemaRef ds:uri="http://schemas.microsoft.com/office/2006/metadata/properties"/>
-    <ds:schemaRef ds:uri="http://purl.org/dc/terms/"/>
-    <ds:schemaRef ds:uri="http://schemas.openxmlformats.org/package/2006/metadata/core-properties"/>
-    <ds:schemaRef ds:uri="http://purl.org/dc/dcmitype/"/>
-    <ds:schemaRef ds:uri="http://schemas.microsoft.com/office/infopath/2007/PartnerControls"/>
-    <ds:schemaRef ds:uri="ba9fa7ec-c7fc-46bc-8a77-6c86f57f556a"/>
-    <ds:schemaRef ds:uri="http://www.w3.org/XML/1998/namespace"/>
-    <ds:schemaRef ds:uri="http://purl.org/dc/elements/1.1/"/>
-  </ds:schemaRefs>
-</ds:datastoreItem>
-</file>
-
-<file path=customXml/itemProps3.xml><?xml version="1.0" encoding="utf-8"?>
-<ds:datastoreItem xmlns:ds="http://schemas.openxmlformats.org/officeDocument/2006/customXml" ds:itemID="{527E6891-0A95-43E6-A4D1-1E33DCED4DD5}">
-  <ds:schemaRefs>
-    <ds:schemaRef ds:uri="http://schemas.microsoft.com/sharepoint/v3/contenttype/forms"/>
-  </ds:schemaRefs>
-</ds:datastoreItem>
 </file>